--- a/picture/linux/filesystem/filesystem.pptx
+++ b/picture/linux/filesystem/filesystem.pptx
@@ -4164,7 +4164,7 @@
           </a:prstGeom>
           <a:ln w="28575">
             <a:solidFill>
-              <a:srgbClr val="2C3E50"/>
+              <a:srgbClr val="3EAF7C"/>
             </a:solidFill>
           </a:ln>
         </p:spPr>
@@ -4201,7 +4201,7 @@
         <p:spPr>
           <a:xfrm>
             <a:off x="688340" y="1826260"/>
-            <a:ext cx="563245" cy="183515"/>
+            <a:ext cx="563245" cy="168275"/>
           </a:xfrm>
           <a:prstGeom prst="rect">
             <a:avLst/>
@@ -4220,7 +4220,7 @@
           <a:p>
             <a:pPr algn="ctr"/>
             <a:r>
-              <a:rPr lang="en-US" altLang="en-US" sz="600" b="1">
+              <a:rPr lang="en-US" altLang="en-US" sz="500" b="1">
                 <a:solidFill>
                   <a:srgbClr val="2C3E50"/>
                 </a:solidFill>
@@ -4230,7 +4230,7 @@
               <a:t> 446</a:t>
             </a:r>
             <a:r>
-              <a:rPr lang="en-US" altLang="zh-CN" sz="600" b="1">
+              <a:rPr lang="en-US" altLang="zh-CN" sz="500" b="1">
                 <a:solidFill>
                   <a:srgbClr val="2C3E50"/>
                 </a:solidFill>
@@ -4238,7 +4238,7 @@
               </a:rPr>
               <a:t>字节</a:t>
             </a:r>
-            <a:endParaRPr lang="en-US" altLang="zh-CN" sz="600" b="1">
+            <a:endParaRPr lang="en-US" altLang="zh-CN" sz="500" b="1">
               <a:solidFill>
                 <a:srgbClr val="2C3E50"/>
               </a:solidFill>
@@ -4263,7 +4263,7 @@
           </a:prstGeom>
           <a:ln w="28575">
             <a:solidFill>
-              <a:srgbClr val="2C3E50"/>
+              <a:srgbClr val="3EAF7C"/>
             </a:solidFill>
           </a:ln>
         </p:spPr>
@@ -4300,7 +4300,7 @@
         <p:spPr>
           <a:xfrm>
             <a:off x="1257935" y="1826260"/>
-            <a:ext cx="500380" cy="183515"/>
+            <a:ext cx="500380" cy="168275"/>
           </a:xfrm>
           <a:prstGeom prst="rect">
             <a:avLst/>
@@ -4319,7 +4319,7 @@
           <a:p>
             <a:pPr algn="ctr"/>
             <a:r>
-              <a:rPr lang="en-US" altLang="en-US" sz="600" b="1">
+              <a:rPr lang="en-US" altLang="en-US" sz="500" b="1">
                 <a:solidFill>
                   <a:srgbClr val="2C3E50"/>
                 </a:solidFill>
@@ -4329,7 +4329,7 @@
               <a:t>   64</a:t>
             </a:r>
             <a:r>
-              <a:rPr lang="en-US" altLang="zh-CN" sz="600" b="1">
+              <a:rPr lang="en-US" altLang="zh-CN" sz="500" b="1">
                 <a:solidFill>
                   <a:srgbClr val="2C3E50"/>
                 </a:solidFill>
@@ -4337,7 +4337,7 @@
               </a:rPr>
               <a:t>字节</a:t>
             </a:r>
-            <a:endParaRPr lang="en-US" altLang="zh-CN" sz="600" b="1">
+            <a:endParaRPr lang="en-US" altLang="zh-CN" sz="500" b="1">
               <a:solidFill>
                 <a:srgbClr val="2C3E50"/>
               </a:solidFill>
@@ -4362,7 +4362,7 @@
           </a:prstGeom>
           <a:ln w="28575">
             <a:solidFill>
-              <a:srgbClr val="2C3E50"/>
+              <a:srgbClr val="3EAF7C"/>
             </a:solidFill>
           </a:ln>
         </p:spPr>
@@ -4399,7 +4399,7 @@
         <p:spPr>
           <a:xfrm>
             <a:off x="1766570" y="1826260"/>
-            <a:ext cx="500380" cy="183515"/>
+            <a:ext cx="500380" cy="168275"/>
           </a:xfrm>
           <a:prstGeom prst="rect">
             <a:avLst/>
@@ -4418,7 +4418,7 @@
           <a:p>
             <a:pPr algn="ctr"/>
             <a:r>
-              <a:rPr lang="en-US" altLang="en-US" sz="600" b="1">
+              <a:rPr lang="en-US" altLang="en-US" sz="500" b="1">
                 <a:solidFill>
                   <a:srgbClr val="2C3E50"/>
                 </a:solidFill>
@@ -4428,7 +4428,7 @@
               <a:t>   2</a:t>
             </a:r>
             <a:r>
-              <a:rPr lang="en-US" altLang="zh-CN" sz="600" b="1">
+              <a:rPr lang="en-US" altLang="zh-CN" sz="500" b="1">
                 <a:solidFill>
                   <a:srgbClr val="2C3E50"/>
                 </a:solidFill>
@@ -4436,7 +4436,7 @@
               </a:rPr>
               <a:t>字节</a:t>
             </a:r>
-            <a:endParaRPr lang="en-US" altLang="zh-CN" sz="600" b="1">
+            <a:endParaRPr lang="en-US" altLang="zh-CN" sz="500" b="1">
               <a:solidFill>
                 <a:srgbClr val="2C3E50"/>
               </a:solidFill>
@@ -7815,7 +7815,7 @@
           </a:prstGeom>
           <a:ln w="28575">
             <a:solidFill>
-              <a:srgbClr val="2C3E50"/>
+              <a:srgbClr val="3EAF7C"/>
             </a:solidFill>
             <a:tailEnd type="arrow" w="med" len="med"/>
           </a:ln>
@@ -7854,7 +7854,7 @@
           </a:prstGeom>
           <a:ln w="28575">
             <a:solidFill>
-              <a:srgbClr val="2C3E50"/>
+              <a:srgbClr val="3EAF7C"/>
             </a:solidFill>
             <a:tailEnd type="arrow" w="med" len="med"/>
           </a:ln>
@@ -7893,7 +7893,7 @@
           </a:prstGeom>
           <a:ln w="28575">
             <a:solidFill>
-              <a:srgbClr val="2C3E50"/>
+              <a:srgbClr val="3EAF7C"/>
             </a:solidFill>
             <a:tailEnd type="arrow" w="med" len="med"/>
           </a:ln>
@@ -8189,7 +8189,7 @@
           </a:prstGeom>
           <a:ln w="28575">
             <a:solidFill>
-              <a:srgbClr val="2C3E50"/>
+              <a:srgbClr val="3EAF7C"/>
             </a:solidFill>
             <a:tailEnd type="arrow" w="med" len="med"/>
           </a:ln>
@@ -8228,7 +8228,7 @@
           </a:prstGeom>
           <a:ln w="28575">
             <a:solidFill>
-              <a:srgbClr val="2C3E50"/>
+              <a:srgbClr val="3EAF7C"/>
             </a:solidFill>
             <a:tailEnd type="arrow" w="med" len="med"/>
           </a:ln>
@@ -8267,7 +8267,7 @@
           </a:prstGeom>
           <a:ln w="28575">
             <a:solidFill>
-              <a:srgbClr val="2C3E50"/>
+              <a:srgbClr val="3EAF7C"/>
             </a:solidFill>
             <a:tailEnd type="arrow" w="med" len="med"/>
           </a:ln>
@@ -8416,7 +8416,7 @@
           </a:prstGeom>
           <a:ln w="28575">
             <a:solidFill>
-              <a:srgbClr val="2C3E50"/>
+              <a:srgbClr val="3EAF7C"/>
             </a:solidFill>
             <a:tailEnd type="arrow" w="med" len="med"/>
           </a:ln>
@@ -8455,7 +8455,7 @@
           </a:prstGeom>
           <a:ln w="28575">
             <a:solidFill>
-              <a:srgbClr val="2C3E50"/>
+              <a:srgbClr val="3EAF7C"/>
             </a:solidFill>
             <a:tailEnd type="arrow" w="med" len="med"/>
           </a:ln>
@@ -8494,7 +8494,7 @@
           </a:prstGeom>
           <a:ln w="28575">
             <a:solidFill>
-              <a:srgbClr val="2C3E50"/>
+              <a:srgbClr val="3EAF7C"/>
             </a:solidFill>
             <a:tailEnd type="arrow" w="med" len="med"/>
           </a:ln>
@@ -8789,7 +8789,7 @@
           </a:prstGeom>
           <a:ln w="28575">
             <a:solidFill>
-              <a:srgbClr val="2C3E50"/>
+              <a:srgbClr val="3EAF7C"/>
             </a:solidFill>
             <a:tailEnd type="arrow" w="med" len="med"/>
           </a:ln>
@@ -8828,7 +8828,7 @@
           </a:prstGeom>
           <a:ln w="28575">
             <a:solidFill>
-              <a:srgbClr val="2C3E50"/>
+              <a:srgbClr val="3EAF7C"/>
             </a:solidFill>
             <a:tailEnd type="arrow" w="med" len="med"/>
           </a:ln>
@@ -8867,7 +8867,7 @@
           </a:prstGeom>
           <a:ln w="28575">
             <a:solidFill>
-              <a:srgbClr val="2C3E50"/>
+              <a:srgbClr val="3EAF7C"/>
             </a:solidFill>
             <a:tailEnd type="arrow" w="med" len="med"/>
           </a:ln>
@@ -9368,7 +9368,7 @@
           </a:prstGeom>
           <a:ln w="28575">
             <a:solidFill>
-              <a:srgbClr val="2C3E50"/>
+              <a:srgbClr val="3EAF7C"/>
             </a:solidFill>
             <a:tailEnd type="arrow" w="med" len="med"/>
           </a:ln>
@@ -9407,7 +9407,7 @@
           </a:prstGeom>
           <a:ln w="28575">
             <a:solidFill>
-              <a:srgbClr val="2C3E50"/>
+              <a:srgbClr val="3EAF7C"/>
             </a:solidFill>
             <a:tailEnd type="arrow" w="med" len="med"/>
           </a:ln>
@@ -9446,7 +9446,7 @@
           </a:prstGeom>
           <a:ln w="28575">
             <a:solidFill>
-              <a:srgbClr val="2C3E50"/>
+              <a:srgbClr val="3EAF7C"/>
             </a:solidFill>
             <a:tailEnd type="arrow" w="med" len="med"/>
           </a:ln>
@@ -9565,7 +9565,7 @@
           </a:prstGeom>
           <a:ln w="28575">
             <a:solidFill>
-              <a:srgbClr val="2C3E50"/>
+              <a:srgbClr val="3EAF7C"/>
             </a:solidFill>
             <a:tailEnd type="arrow" w="med" len="med"/>
           </a:ln>
@@ -9603,7 +9603,7 @@
           </a:prstGeom>
           <a:ln w="28575">
             <a:solidFill>
-              <a:srgbClr val="2C3E50"/>
+              <a:srgbClr val="3EAF7C"/>
             </a:solidFill>
             <a:tailEnd type="arrow" w="med" len="med"/>
           </a:ln>
@@ -9886,7 +9886,7 @@
           </a:prstGeom>
           <a:ln w="28575">
             <a:solidFill>
-              <a:srgbClr val="2C3E50"/>
+              <a:srgbClr val="3EAF7C"/>
             </a:solidFill>
             <a:tailEnd type="arrow" w="med" len="med"/>
           </a:ln>
@@ -9925,7 +9925,7 @@
           </a:prstGeom>
           <a:ln w="28575">
             <a:solidFill>
-              <a:srgbClr val="2C3E50"/>
+              <a:srgbClr val="3EAF7C"/>
             </a:solidFill>
             <a:tailEnd type="arrow" w="med" len="med"/>
           </a:ln>
@@ -9964,7 +9964,7 @@
           </a:prstGeom>
           <a:ln w="28575">
             <a:solidFill>
-              <a:srgbClr val="2C3E50"/>
+              <a:srgbClr val="3EAF7C"/>
             </a:solidFill>
             <a:tailEnd type="arrow" w="med" len="med"/>
           </a:ln>
@@ -10041,7 +10041,7 @@
           </a:prstGeom>
           <a:ln>
             <a:solidFill>
-              <a:srgbClr val="2C3E50"/>
+              <a:srgbClr val="3EAF7C"/>
             </a:solidFill>
           </a:ln>
         </p:spPr>
@@ -10730,6 +10730,105 @@
           </a:fontRef>
         </p:style>
       </p:cxnSp>
+      <p:sp>
+        <p:nvSpPr>
+          <p:cNvPr id="3" name="左大括号 2"/>
+          <p:cNvSpPr/>
+          <p:nvPr/>
+        </p:nvSpPr>
+        <p:spPr>
+          <a:xfrm rot="16200000">
+            <a:off x="2464435" y="1500505"/>
+            <a:ext cx="76200" cy="473710"/>
+          </a:xfrm>
+          <a:prstGeom prst="leftBrace">
+            <a:avLst/>
+          </a:prstGeom>
+          <a:ln w="28575">
+            <a:solidFill>
+              <a:srgbClr val="3EAF7C"/>
+            </a:solidFill>
+          </a:ln>
+        </p:spPr>
+        <p:style>
+          <a:lnRef idx="3">
+            <a:schemeClr val="dk1"/>
+          </a:lnRef>
+          <a:fillRef idx="0">
+            <a:schemeClr val="dk1"/>
+          </a:fillRef>
+          <a:effectRef idx="2">
+            <a:schemeClr val="dk1"/>
+          </a:effectRef>
+          <a:fontRef idx="minor">
+            <a:schemeClr val="tx1"/>
+          </a:fontRef>
+        </p:style>
+        <p:txBody>
+          <a:bodyPr rtlCol="0" anchor="ctr"/>
+          <a:p>
+            <a:pPr algn="ctr"/>
+            <a:endParaRPr lang="zh-CN" altLang="en-US" sz="600" b="1">
+              <a:cs typeface="DejaVu Sans" panose="020B0603030804020204" charset="0"/>
+            </a:endParaRPr>
+          </a:p>
+        </p:txBody>
+      </p:sp>
+      <p:sp>
+        <p:nvSpPr>
+          <p:cNvPr id="14" name="文本框 13"/>
+          <p:cNvSpPr txBox="true"/>
+          <p:nvPr/>
+        </p:nvSpPr>
+        <p:spPr>
+          <a:xfrm>
+            <a:off x="2273935" y="1826260"/>
+            <a:ext cx="577215" cy="168275"/>
+          </a:xfrm>
+          <a:prstGeom prst="rect">
+            <a:avLst/>
+          </a:prstGeom>
+          <a:noFill/>
+          <a:ln w="28575">
+            <a:solidFill>
+              <a:srgbClr val="2C3E50"/>
+            </a:solidFill>
+          </a:ln>
+        </p:spPr>
+        <p:txBody>
+          <a:bodyPr wrap="square" rtlCol="0">
+            <a:spAutoFit/>
+          </a:bodyPr>
+          <a:p>
+            <a:pPr algn="ctr"/>
+            <a:r>
+              <a:rPr lang="en-US" altLang="en-US" sz="500" b="1">
+                <a:solidFill>
+                  <a:srgbClr val="2C3E50"/>
+                </a:solidFill>
+                <a:ea typeface="DejaVu Sans" panose="020B0603030804020204" charset="0"/>
+                <a:cs typeface="DejaVu Sans" panose="020B0603030804020204" charset="0"/>
+              </a:rPr>
+              <a:t>   1024</a:t>
+            </a:r>
+            <a:r>
+              <a:rPr lang="en-US" altLang="zh-CN" sz="500" b="1">
+                <a:solidFill>
+                  <a:srgbClr val="2C3E50"/>
+                </a:solidFill>
+                <a:cs typeface="DejaVu Sans" panose="020B0603030804020204" charset="0"/>
+              </a:rPr>
+              <a:t>字节</a:t>
+            </a:r>
+            <a:endParaRPr lang="en-US" altLang="zh-CN" sz="500" b="1">
+              <a:solidFill>
+                <a:srgbClr val="2C3E50"/>
+              </a:solidFill>
+              <a:cs typeface="DejaVu Sans" panose="020B0603030804020204" charset="0"/>
+            </a:endParaRPr>
+          </a:p>
+        </p:txBody>
+      </p:sp>
     </p:spTree>
   </p:cSld>
   <p:clrMapOvr>
@@ -11913,14 +12012,14 @@
           <a:p>
             <a:pPr algn="ctr"/>
             <a:r>
-              <a:rPr lang="" altLang="en-US" b="1">
+              <a:rPr lang="en-US" altLang="en-US" b="1">
                 <a:solidFill>
                   <a:srgbClr val="2C3E50"/>
                 </a:solidFill>
               </a:rPr>
               <a:t>cgroup</a:t>
             </a:r>
-            <a:endParaRPr lang="" altLang="en-US" b="1">
+            <a:endParaRPr lang="en-US" altLang="en-US" b="1">
               <a:solidFill>
                 <a:srgbClr val="2C3E50"/>
               </a:solidFill>
